--- a/Mimic Visualization.pptx
+++ b/Mimic Visualization.pptx
@@ -5,10 +5,10 @@
     <p:sldMasterId id="2147483648" r:id="rId4"/>
   </p:sldMasterIdLst>
   <p:notesMasterIdLst>
-    <p:notesMasterId r:id="rId18"/>
+    <p:notesMasterId r:id="rId19"/>
   </p:notesMasterIdLst>
   <p:handoutMasterIdLst>
-    <p:handoutMasterId r:id="rId19"/>
+    <p:handoutMasterId r:id="rId20"/>
   </p:handoutMasterIdLst>
   <p:sldIdLst>
     <p:sldId id="256" r:id="rId5"/>
@@ -24,6 +24,7 @@
     <p:sldId id="300" r:id="rId15"/>
     <p:sldId id="301" r:id="rId16"/>
     <p:sldId id="302" r:id="rId17"/>
+    <p:sldId id="305" r:id="rId18"/>
   </p:sldIdLst>
   <p:sldSz cx="12192000" cy="6858000"/>
   <p:notesSz cx="6858000" cy="9144000"/>
@@ -1206,6 +1207,114 @@
     <p:extLst>
       <p:ext uri="{BB962C8B-B14F-4D97-AF65-F5344CB8AC3E}">
         <p14:creationId xmlns:p14="http://schemas.microsoft.com/office/powerpoint/2010/main" val="3441411520"/>
+      </p:ext>
+    </p:extLst>
+  </p:cSld>
+  <p:clrMapOvr>
+    <a:masterClrMapping/>
+  </p:clrMapOvr>
+</p:notes>
+</file>
+
+<file path=ppt/notesSlides/notesSlide14.xml><?xml version="1.0" encoding="utf-8"?>
+<p:notes xmlns:a="http://schemas.openxmlformats.org/drawingml/2006/main" xmlns:r="http://schemas.openxmlformats.org/officeDocument/2006/relationships" xmlns:p="http://schemas.openxmlformats.org/presentationml/2006/main">
+  <p:cSld>
+    <p:spTree>
+      <p:nvGrpSpPr>
+        <p:cNvPr id="1" name="">
+          <a:extLst>
+            <a:ext uri="{FF2B5EF4-FFF2-40B4-BE49-F238E27FC236}">
+              <a16:creationId xmlns:a16="http://schemas.microsoft.com/office/drawing/2014/main" id="{78D4A685-B35E-3886-8E9A-EE346A258D5C}"/>
+            </a:ext>
+          </a:extLst>
+        </p:cNvPr>
+        <p:cNvGrpSpPr/>
+        <p:nvPr/>
+      </p:nvGrpSpPr>
+      <p:grpSpPr>
+        <a:xfrm>
+          <a:off x="0" y="0"/>
+          <a:ext cx="0" cy="0"/>
+          <a:chOff x="0" y="0"/>
+          <a:chExt cx="0" cy="0"/>
+        </a:xfrm>
+      </p:grpSpPr>
+      <p:sp>
+        <p:nvSpPr>
+          <p:cNvPr id="2" name="Slide Image Placeholder 1">
+            <a:extLst>
+              <a:ext uri="{FF2B5EF4-FFF2-40B4-BE49-F238E27FC236}">
+                <a16:creationId xmlns:a16="http://schemas.microsoft.com/office/drawing/2014/main" id="{CDDCB878-B703-3CD0-A63F-D705CE0E0C67}"/>
+              </a:ext>
+            </a:extLst>
+          </p:cNvPr>
+          <p:cNvSpPr>
+            <a:spLocks noGrp="1" noRot="1" noChangeAspect="1"/>
+          </p:cNvSpPr>
+          <p:nvPr>
+            <p:ph type="sldImg"/>
+          </p:nvPr>
+        </p:nvSpPr>
+        <p:spPr/>
+      </p:sp>
+      <p:sp>
+        <p:nvSpPr>
+          <p:cNvPr id="3" name="Notes Placeholder 2">
+            <a:extLst>
+              <a:ext uri="{FF2B5EF4-FFF2-40B4-BE49-F238E27FC236}">
+                <a16:creationId xmlns:a16="http://schemas.microsoft.com/office/drawing/2014/main" id="{F27176A2-F225-0BFC-6BC3-EE330380A480}"/>
+              </a:ext>
+            </a:extLst>
+          </p:cNvPr>
+          <p:cNvSpPr>
+            <a:spLocks noGrp="1"/>
+          </p:cNvSpPr>
+          <p:nvPr>
+            <p:ph type="body" idx="1"/>
+          </p:nvPr>
+        </p:nvSpPr>
+        <p:spPr/>
+        <p:txBody>
+          <a:bodyPr/>
+          <a:lstStyle/>
+          <a:p>
+            <a:endParaRPr lang="en-US"/>
+          </a:p>
+        </p:txBody>
+      </p:sp>
+      <p:sp>
+        <p:nvSpPr>
+          <p:cNvPr id="4" name="Slide Number Placeholder 3">
+            <a:extLst>
+              <a:ext uri="{FF2B5EF4-FFF2-40B4-BE49-F238E27FC236}">
+                <a16:creationId xmlns:a16="http://schemas.microsoft.com/office/drawing/2014/main" id="{2B524D14-BEB7-6F17-3D74-B645416F17EA}"/>
+              </a:ext>
+            </a:extLst>
+          </p:cNvPr>
+          <p:cNvSpPr>
+            <a:spLocks noGrp="1"/>
+          </p:cNvSpPr>
+          <p:nvPr>
+            <p:ph type="sldNum" sz="quarter" idx="5"/>
+          </p:nvPr>
+        </p:nvSpPr>
+        <p:spPr/>
+        <p:txBody>
+          <a:bodyPr/>
+          <a:lstStyle/>
+          <a:p>
+            <a:fld id="{10895658-EA1F-4910-80AB-4DA76E167475}" type="slidenum">
+              <a:rPr lang="en-US" smtClean="0"/>
+              <a:t>14</a:t>
+            </a:fld>
+            <a:endParaRPr lang="en-US" dirty="0"/>
+          </a:p>
+        </p:txBody>
+      </p:sp>
+    </p:spTree>
+    <p:extLst>
+      <p:ext uri="{BB962C8B-B14F-4D97-AF65-F5344CB8AC3E}">
+        <p14:creationId xmlns:p14="http://schemas.microsoft.com/office/powerpoint/2010/main" val="2923840689"/>
       </p:ext>
     </p:extLst>
   </p:cSld>
@@ -21986,6 +22095,140 @@
 </p:sld>
 </file>
 
+<file path=ppt/slides/slide14.xml><?xml version="1.0" encoding="utf-8"?>
+<p:sld xmlns:a="http://schemas.openxmlformats.org/drawingml/2006/main" xmlns:r="http://schemas.openxmlformats.org/officeDocument/2006/relationships" xmlns:p="http://schemas.openxmlformats.org/presentationml/2006/main">
+  <p:cSld>
+    <p:spTree>
+      <p:nvGrpSpPr>
+        <p:cNvPr id="1" name="">
+          <a:extLst>
+            <a:ext uri="{FF2B5EF4-FFF2-40B4-BE49-F238E27FC236}">
+              <a16:creationId xmlns:a16="http://schemas.microsoft.com/office/drawing/2014/main" id="{AEB17650-4E8E-98E3-D56B-EB03DB659F2D}"/>
+            </a:ext>
+          </a:extLst>
+        </p:cNvPr>
+        <p:cNvGrpSpPr/>
+        <p:nvPr/>
+      </p:nvGrpSpPr>
+      <p:grpSpPr>
+        <a:xfrm>
+          <a:off x="0" y="0"/>
+          <a:ext cx="0" cy="0"/>
+          <a:chOff x="0" y="0"/>
+          <a:chExt cx="0" cy="0"/>
+        </a:xfrm>
+      </p:grpSpPr>
+      <p:sp>
+        <p:nvSpPr>
+          <p:cNvPr id="4" name="Title 3">
+            <a:extLst>
+              <a:ext uri="{FF2B5EF4-FFF2-40B4-BE49-F238E27FC236}">
+                <a16:creationId xmlns:a16="http://schemas.microsoft.com/office/drawing/2014/main" id="{BE6AD242-D61A-FD1D-0604-06539F602219}"/>
+              </a:ext>
+            </a:extLst>
+          </p:cNvPr>
+          <p:cNvSpPr>
+            <a:spLocks noGrp="1"/>
+          </p:cNvSpPr>
+          <p:nvPr>
+            <p:ph type="title"/>
+          </p:nvPr>
+        </p:nvSpPr>
+        <p:spPr>
+          <a:xfrm>
+            <a:off x="771736" y="480965"/>
+            <a:ext cx="10258214" cy="704088"/>
+          </a:xfrm>
+        </p:spPr>
+        <p:txBody>
+          <a:bodyPr>
+            <a:normAutofit fontScale="90000"/>
+          </a:bodyPr>
+          <a:lstStyle/>
+          <a:p>
+            <a:r>
+              <a:rPr lang="en-US" dirty="0"/>
+              <a:t>Link to notebook for details on implementation</a:t>
+            </a:r>
+          </a:p>
+        </p:txBody>
+      </p:sp>
+      <p:sp>
+        <p:nvSpPr>
+          <p:cNvPr id="7" name="Slide Number Placeholder 6">
+            <a:extLst>
+              <a:ext uri="{FF2B5EF4-FFF2-40B4-BE49-F238E27FC236}">
+                <a16:creationId xmlns:a16="http://schemas.microsoft.com/office/drawing/2014/main" id="{66DD159B-60EE-A52A-3F77-046C775C836E}"/>
+              </a:ext>
+            </a:extLst>
+          </p:cNvPr>
+          <p:cNvSpPr>
+            <a:spLocks noGrp="1"/>
+          </p:cNvSpPr>
+          <p:nvPr>
+            <p:ph type="sldNum" sz="quarter" idx="12"/>
+          </p:nvPr>
+        </p:nvSpPr>
+        <p:spPr/>
+        <p:txBody>
+          <a:bodyPr/>
+          <a:lstStyle/>
+          <a:p>
+            <a:fld id="{B5CEABB6-07DC-46E8-9B57-56EC44A396E5}" type="slidenum">
+              <a:rPr lang="en-US" smtClean="0"/>
+              <a:pPr/>
+              <a:t>14</a:t>
+            </a:fld>
+            <a:endParaRPr lang="en-US" dirty="0"/>
+          </a:p>
+        </p:txBody>
+      </p:sp>
+      <p:sp>
+        <p:nvSpPr>
+          <p:cNvPr id="6" name="Content Placeholder 5">
+            <a:extLst>
+              <a:ext uri="{FF2B5EF4-FFF2-40B4-BE49-F238E27FC236}">
+                <a16:creationId xmlns:a16="http://schemas.microsoft.com/office/drawing/2014/main" id="{6B7113B6-A9B1-93FE-8E9C-FEAE72FE77ED}"/>
+              </a:ext>
+            </a:extLst>
+          </p:cNvPr>
+          <p:cNvSpPr>
+            <a:spLocks noGrp="1"/>
+          </p:cNvSpPr>
+          <p:nvPr>
+            <p:ph sz="half" idx="14"/>
+          </p:nvPr>
+        </p:nvSpPr>
+        <p:spPr>
+          <a:xfrm>
+            <a:off x="3120732" y="3429000"/>
+            <a:ext cx="5950535" cy="1073944"/>
+          </a:xfrm>
+        </p:spPr>
+        <p:txBody>
+          <a:bodyPr/>
+          <a:lstStyle/>
+          <a:p>
+            <a:r>
+              <a:rPr lang="en-US" dirty="0"/>
+              <a:t>https://github.com/QasimKhan30/Mimic-Visualization</a:t>
+            </a:r>
+          </a:p>
+        </p:txBody>
+      </p:sp>
+    </p:spTree>
+    <p:extLst>
+      <p:ext uri="{BB962C8B-B14F-4D97-AF65-F5344CB8AC3E}">
+        <p14:creationId xmlns:p14="http://schemas.microsoft.com/office/powerpoint/2010/main" val="1182778437"/>
+      </p:ext>
+    </p:extLst>
+  </p:cSld>
+  <p:clrMapOvr>
+    <a:masterClrMapping/>
+  </p:clrMapOvr>
+</p:sld>
+</file>
+
 <file path=ppt/slides/slide2.xml><?xml version="1.0" encoding="utf-8"?>
 <p:sld xmlns:a="http://schemas.openxmlformats.org/drawingml/2006/main" xmlns:r="http://schemas.openxmlformats.org/officeDocument/2006/relationships" xmlns:p="http://schemas.openxmlformats.org/presentationml/2006/main">
   <p:cSld>
@@ -25155,6 +25398,26 @@
 </file>
 
 <file path=customXml/item2.xml><?xml version="1.0" encoding="utf-8"?>
+<p:properties xmlns:p="http://schemas.microsoft.com/office/2006/metadata/properties" xmlns:xsi="http://www.w3.org/2001/XMLSchema-instance" xmlns:pc="http://schemas.microsoft.com/office/infopath/2007/PartnerControls">
+  <documentManagement>
+    <Background xmlns="71af3243-3dd4-4a8d-8c0d-dd76da1f02a5">false</Background>
+    <Status xmlns="71af3243-3dd4-4a8d-8c0d-dd76da1f02a5">Not started</Status>
+    <_ip_UnifiedCompliancePolicyUIAction xmlns="http://schemas.microsoft.com/sharepoint/v3" xsi:nil="true"/>
+    <Image xmlns="71af3243-3dd4-4a8d-8c0d-dd76da1f02a5">
+      <Url xsi:nil="true"/>
+      <Description xsi:nil="true"/>
+    </Image>
+    <_ip_UnifiedCompliancePolicyProperties xmlns="http://schemas.microsoft.com/sharepoint/v3" xsi:nil="true"/>
+    <ImageTagsTaxHTField xmlns="71af3243-3dd4-4a8d-8c0d-dd76da1f02a5">
+      <Terms xmlns="http://schemas.microsoft.com/office/infopath/2007/PartnerControls"/>
+    </ImageTagsTaxHTField>
+    <TaxCatchAll xmlns="230e9df3-be65-4c73-a93b-d1236ebd677e" xsi:nil="true"/>
+    <MediaServiceKeyPoints xmlns="71af3243-3dd4-4a8d-8c0d-dd76da1f02a5" xsi:nil="true"/>
+  </documentManagement>
+</p:properties>
+</file>
+
+<file path=customXml/item3.xml><?xml version="1.0" encoding="utf-8"?>
 <ct:contentTypeSchema xmlns:ct="http://schemas.microsoft.com/office/2006/metadata/contentType" xmlns:ma="http://schemas.microsoft.com/office/2006/metadata/properties/metaAttributes" ct:_="" ma:_="" ma:contentTypeName="Document" ma:contentTypeID="0x01010079F111ED35F8CC479449609E8A0923A6" ma:contentTypeVersion="28" ma:contentTypeDescription="Create a new document." ma:contentTypeScope="" ma:versionID="60f5a4f2d2b0abadcf532d48ebf9cb71">
   <xsd:schema xmlns:xsd="http://www.w3.org/2001/XMLSchema" xmlns:xs="http://www.w3.org/2001/XMLSchema" xmlns:p="http://schemas.microsoft.com/office/2006/metadata/properties" xmlns:ns1="http://schemas.microsoft.com/sharepoint/v3" xmlns:ns2="71af3243-3dd4-4a8d-8c0d-dd76da1f02a5" xmlns:ns3="16c05727-aa75-4e4a-9b5f-8a80a1165891" xmlns:ns4="230e9df3-be65-4c73-a93b-d1236ebd677e" targetNamespace="http://schemas.microsoft.com/office/2006/metadata/properties" ma:root="true" ma:fieldsID="7dd78129e6a1811f84807ad11c651531" ns1:_="" ns2:_="" ns3:_="" ns4:_="">
     <xsd:import namespace="http://schemas.microsoft.com/sharepoint/v3"/>
@@ -25466,26 +25729,6 @@
 </ct:contentTypeSchema>
 </file>
 
-<file path=customXml/item3.xml><?xml version="1.0" encoding="utf-8"?>
-<p:properties xmlns:p="http://schemas.microsoft.com/office/2006/metadata/properties" xmlns:xsi="http://www.w3.org/2001/XMLSchema-instance" xmlns:pc="http://schemas.microsoft.com/office/infopath/2007/PartnerControls">
-  <documentManagement>
-    <Background xmlns="71af3243-3dd4-4a8d-8c0d-dd76da1f02a5">false</Background>
-    <Status xmlns="71af3243-3dd4-4a8d-8c0d-dd76da1f02a5">Not started</Status>
-    <_ip_UnifiedCompliancePolicyUIAction xmlns="http://schemas.microsoft.com/sharepoint/v3" xsi:nil="true"/>
-    <Image xmlns="71af3243-3dd4-4a8d-8c0d-dd76da1f02a5">
-      <Url xsi:nil="true"/>
-      <Description xsi:nil="true"/>
-    </Image>
-    <_ip_UnifiedCompliancePolicyProperties xmlns="http://schemas.microsoft.com/sharepoint/v3" xsi:nil="true"/>
-    <ImageTagsTaxHTField xmlns="71af3243-3dd4-4a8d-8c0d-dd76da1f02a5">
-      <Terms xmlns="http://schemas.microsoft.com/office/infopath/2007/PartnerControls"/>
-    </ImageTagsTaxHTField>
-    <TaxCatchAll xmlns="230e9df3-be65-4c73-a93b-d1236ebd677e" xsi:nil="true"/>
-    <MediaServiceKeyPoints xmlns="71af3243-3dd4-4a8d-8c0d-dd76da1f02a5" xsi:nil="true"/>
-  </documentManagement>
-</p:properties>
-</file>
-
 <file path=customXml/itemProps1.xml><?xml version="1.0" encoding="utf-8"?>
 <ds:datastoreItem xmlns:ds="http://schemas.openxmlformats.org/officeDocument/2006/customXml" ds:itemID="{8451406B-581B-4C29-A833-E33D8A6AB075}">
   <ds:schemaRefs>
@@ -25495,6 +25738,18 @@
 </file>
 
 <file path=customXml/itemProps2.xml><?xml version="1.0" encoding="utf-8"?>
+<ds:datastoreItem xmlns:ds="http://schemas.openxmlformats.org/officeDocument/2006/customXml" ds:itemID="{0F65614A-92F9-4391-AC3D-F3F5B0704F99}">
+  <ds:schemaRefs>
+    <ds:schemaRef ds:uri="http://schemas.microsoft.com/office/2006/metadata/properties"/>
+    <ds:schemaRef ds:uri="http://schemas.microsoft.com/office/infopath/2007/PartnerControls"/>
+    <ds:schemaRef ds:uri="71af3243-3dd4-4a8d-8c0d-dd76da1f02a5"/>
+    <ds:schemaRef ds:uri="http://schemas.microsoft.com/sharepoint/v3"/>
+    <ds:schemaRef ds:uri="230e9df3-be65-4c73-a93b-d1236ebd677e"/>
+  </ds:schemaRefs>
+</ds:datastoreItem>
+</file>
+
+<file path=customXml/itemProps3.xml><?xml version="1.0" encoding="utf-8"?>
 <ds:datastoreItem xmlns:ds="http://schemas.openxmlformats.org/officeDocument/2006/customXml" ds:itemID="{18903D25-5BE2-4D9E-B7D8-BE1DCAE2DC41}">
   <ds:schemaRefs>
     <ds:schemaRef ds:uri="http://schemas.microsoft.com/office/2006/metadata/contentType"/>
@@ -25515,18 +25770,6 @@
 </ds:datastoreItem>
 </file>
 
-<file path=customXml/itemProps3.xml><?xml version="1.0" encoding="utf-8"?>
-<ds:datastoreItem xmlns:ds="http://schemas.openxmlformats.org/officeDocument/2006/customXml" ds:itemID="{0F65614A-92F9-4391-AC3D-F3F5B0704F99}">
-  <ds:schemaRefs>
-    <ds:schemaRef ds:uri="http://schemas.microsoft.com/office/2006/metadata/properties"/>
-    <ds:schemaRef ds:uri="http://schemas.microsoft.com/office/infopath/2007/PartnerControls"/>
-    <ds:schemaRef ds:uri="71af3243-3dd4-4a8d-8c0d-dd76da1f02a5"/>
-    <ds:schemaRef ds:uri="http://schemas.microsoft.com/sharepoint/v3"/>
-    <ds:schemaRef ds:uri="230e9df3-be65-4c73-a93b-d1236ebd677e"/>
-  </ds:schemaRefs>
-</ds:datastoreItem>
-</file>
-
 <file path=docMetadata/LabelInfo.xml><?xml version="1.0" encoding="utf-8"?>
 <clbl:labelList xmlns:clbl="http://schemas.microsoft.com/office/2020/mipLabelMetadata"/>
 </file>